--- a/JavaScript/Week12/Week12.pptx
+++ b/JavaScript/Week12/Week12.pptx
@@ -3001,10 +3001,9 @@
           <a:lstStyle/>
           <a:p>
             <a:r>
-              <a:rPr lang="en-CA"/>
+              <a:rPr lang="en-CA" dirty="0"/>
               <a:t>Week 12</a:t>
             </a:r>
-            <a:endParaRPr lang="en-CA" dirty="0"/>
           </a:p>
         </p:txBody>
       </p:sp>
@@ -3284,7 +3283,15 @@
           <a:p>
             <a:r>
               <a:rPr dirty="0"/>
-              <a:t>Enables data sharing between components without prop drilling</a:t>
+              <a:t>Enables data sharing between components without </a:t>
+            </a:r>
+            <a:r>
+              <a:rPr dirty="0">
+                <a:solidFill>
+                  <a:srgbClr val="FFFF00"/>
+                </a:solidFill>
+              </a:rPr>
+              <a:t>prop drilling</a:t>
             </a:r>
           </a:p>
           <a:p>
@@ -4278,10 +4285,18 @@
               <a:rPr lang="en-CA" dirty="0"/>
             </a:br>
             <a:r>
-              <a:rPr lang="en-CA" sz="1800" dirty="0"/>
+              <a:rPr lang="en-CA" sz="1800" dirty="0">
+                <a:solidFill>
+                  <a:srgbClr val="FFFF00"/>
+                </a:solidFill>
+              </a:rPr>
               <a:t>[https://www.turing.com/blog/custom-react-js-hooks-how-to-use/]</a:t>
             </a:r>
-            <a:endParaRPr lang="en-CA" dirty="0"/>
+            <a:endParaRPr lang="en-CA" dirty="0">
+              <a:solidFill>
+                <a:srgbClr val="FFFF00"/>
+              </a:solidFill>
+            </a:endParaRPr>
           </a:p>
         </p:txBody>
       </p:sp>
@@ -4617,11 +4632,8 @@
           </a:p>
           <a:p>
             <a:r>
-              <a:t>Can </a:t>
-            </a:r>
-            <a:r>
-              <a:rPr dirty="0"/>
-              <a:t>be combined with </a:t>
+              <a:rPr dirty="0"/>
+              <a:t>Can be combined with </a:t>
             </a:r>
             <a:r>
               <a:rPr dirty="0" err="1"/>
@@ -4739,10 +4751,18 @@
           </a:p>
           <a:p>
             <a:r>
-              <a:rPr lang="en-US" dirty="0"/>
+              <a:rPr lang="en-US" dirty="0">
+                <a:solidFill>
+                  <a:srgbClr val="FFFF00"/>
+                </a:solidFill>
+              </a:rPr>
               <a:t>A custom hook always starts with the name ‘use’.</a:t>
             </a:r>
-            <a:endParaRPr lang="en-CA" dirty="0"/>
+            <a:endParaRPr lang="en-CA" dirty="0">
+              <a:solidFill>
+                <a:srgbClr val="FFFF00"/>
+              </a:solidFill>
+            </a:endParaRPr>
           </a:p>
         </p:txBody>
       </p:sp>
@@ -4838,9 +4858,21 @@
           <a:p>
             <a:r>
               <a:rPr lang="en-US" dirty="0"/>
-              <a:t>Custom React JS hooks offer reusability as when a custom hook is created, it can be reused easily, which ensures clean code and reduces the time to write the code. It also enhances the rendering speed of the code as a custom hook does not need to be rendered again and again while rendering the whole code.</a:t>
-            </a:r>
-            <a:endParaRPr lang="en-CA" dirty="0"/>
+              <a:t>Custom React JS hooks offer reusability as when a custom hook is created, it can be reused easily, which ensures clean code and reduces the time to write the code.</a:t>
+            </a:r>
+            <a:r>
+              <a:rPr lang="en-US" dirty="0">
+                <a:solidFill>
+                  <a:srgbClr val="FFFF00"/>
+                </a:solidFill>
+              </a:rPr>
+              <a:t> It also enhances the rendering speed of the code as a custom hook does not need to be rendered again and again while rendering the whole code.</a:t>
+            </a:r>
+            <a:endParaRPr lang="en-CA" dirty="0">
+              <a:solidFill>
+                <a:srgbClr val="FFFF00"/>
+              </a:solidFill>
+            </a:endParaRPr>
           </a:p>
         </p:txBody>
       </p:sp>
